--- a/NEWYORKER.pptx
+++ b/NEWYORKER.pptx
@@ -6449,6 +6449,26 @@
             </a:r>
           </a:p>
           <a:p>
+            <a:r>
+              <a:rPr lang="en-US" sz="1600" dirty="0" err="1">
+                <a:solidFill>
+                  <a:schemeClr val="tx1"/>
+                </a:solidFill>
+                <a:latin typeface="Georgia" panose="02040502050405020303" pitchFamily="18" charset="0"/>
+              </a:rPr>
+              <a:t>Df.attributes.GoodForMeal.dessert</a:t>
+            </a:r>
+            <a:r>
+              <a:rPr lang="en-US" sz="1600" dirty="0">
+                <a:solidFill>
+                  <a:schemeClr val="tx1"/>
+                </a:solidFill>
+                <a:latin typeface="Georgia" panose="02040502050405020303" pitchFamily="18" charset="0"/>
+              </a:rPr>
+              <a:t> =&gt; Error!!</a:t>
+            </a:r>
+          </a:p>
+          <a:p>
             <a:pPr lvl="1"/>
             <a:endParaRPr lang="en-US" dirty="0">
               <a:solidFill>
@@ -6979,6 +6999,20 @@
             </a:r>
           </a:p>
           <a:p>
+            <a:r>
+              <a:rPr lang="en-US" sz="1600" dirty="0" err="1">
+                <a:latin typeface="Georgia" panose="02040502050405020303" pitchFamily="18" charset="0"/>
+              </a:rPr>
+              <a:t>df.attributes.garage</a:t>
+            </a:r>
+            <a:r>
+              <a:rPr lang="en-US" sz="1600" dirty="0">
+                <a:latin typeface="Georgia" panose="02040502050405020303" pitchFamily="18" charset="0"/>
+              </a:rPr>
+              <a:t> returns false</a:t>
+            </a:r>
+          </a:p>
+          <a:p>
             <a:pPr marL="0" indent="0">
               <a:buNone/>
             </a:pPr>
@@ -7013,13 +7047,13 @@
           <p:nvPr>
             <p:extLst>
               <p:ext uri="{D42A27DB-BD31-4B8C-83A1-F6EECF244321}">
-                <p14:modId xmlns:p14="http://schemas.microsoft.com/office/powerpoint/2010/main" val="1243802427"/>
+                <p14:modId xmlns:p14="http://schemas.microsoft.com/office/powerpoint/2010/main" val="128364836"/>
               </p:ext>
             </p:extLst>
           </p:nvPr>
         </p:nvGraphicFramePr>
         <p:xfrm>
-          <a:off x="1146000" y="4605866"/>
+          <a:off x="978360" y="4864946"/>
           <a:ext cx="8128002" cy="741680"/>
         </p:xfrm>
         <a:graphic>
@@ -7552,7 +7586,7 @@
             </a:r>
             <a:r>
               <a:rPr lang="en-US" dirty="0"/>
-              <a:t> : ~30mins</a:t>
+              <a:t> : ~25mins</a:t>
             </a:r>
           </a:p>
         </p:txBody>
@@ -8415,7 +8449,7 @@
               <a:rPr lang="en-US" dirty="0" err="1">
                 <a:latin typeface="Georgia" panose="02040502050405020303" pitchFamily="18" charset="0"/>
               </a:rPr>
-              <a:t>getFileSystem</a:t>
+              <a:t>getFileSystem,getSftpChannel</a:t>
             </a:r>
             <a:r>
               <a:rPr lang="en-US" dirty="0">
@@ -8444,6 +8478,27 @@
             <a:endParaRPr lang="en-US" dirty="0">
               <a:latin typeface="Georgia" panose="02040502050405020303" pitchFamily="18" charset="0"/>
             </a:endParaRPr>
+          </a:p>
+          <a:p>
+            <a:pPr lvl="1"/>
+            <a:r>
+              <a:rPr lang="en-US" dirty="0">
+                <a:latin typeface="Georgia" panose="02040502050405020303" pitchFamily="18" charset="0"/>
+              </a:rPr>
+              <a:t>Sftp pw: </a:t>
+            </a:r>
+            <a:r>
+              <a:rPr lang="en-US" dirty="0" err="1">
+                <a:latin typeface="Georgia" panose="02040502050405020303" pitchFamily="18" charset="0"/>
+              </a:rPr>
+              <a:t>PwdReader.Get</a:t>
+            </a:r>
+            <a:r>
+              <a:rPr lang="en-US" dirty="0">
+                <a:latin typeface="Georgia" panose="02040502050405020303" pitchFamily="18" charset="0"/>
+              </a:rPr>
+              <a:t>("Challenge Application", HDFS_CURRENT_USER+SFTP_PASSWORD )</a:t>
+            </a:r>
           </a:p>
           <a:p>
             <a:r>
